--- a/forecast_hackathon.pptx
+++ b/forecast_hackathon.pptx
@@ -23858,7 +23858,7 @@
             </a:pPr>
             <a:r>
               <a:rPr lang="en-GB" sz="1600" dirty="0"/>
-              <a:t>Only use up to </a:t>
+              <a:t>Only use up to end week of train1 (for 2023) and end week of train2 (for 2024)</a:t>
             </a:r>
           </a:p>
           <a:p>

--- a/forecast_hackathon.pptx
+++ b/forecast_hackathon.pptx
@@ -18667,6 +18667,90 @@
     <p:extLst>
       <p:ext uri="{BB962C8B-B14F-4D97-AF65-F5344CB8AC3E}">
         <p14:creationId xmlns:p14="http://schemas.microsoft.com/office/powerpoint/2010/main" val="658595489"/>
+      </p:ext>
+    </p:extLst>
+  </p:cSld>
+  <p:clrMapOvr>
+    <a:masterClrMapping/>
+  </p:clrMapOvr>
+</p:notes>
+</file>
+
+<file path=ppt/notesSlides/notesSlide7.xml><?xml version="1.0" encoding="utf-8"?>
+<p:notes xmlns:a="http://schemas.openxmlformats.org/drawingml/2006/main" xmlns:r="http://schemas.openxmlformats.org/officeDocument/2006/relationships" xmlns:p="http://schemas.openxmlformats.org/presentationml/2006/main">
+  <p:cSld>
+    <p:spTree>
+      <p:nvGrpSpPr>
+        <p:cNvPr id="1" name=""/>
+        <p:cNvGrpSpPr/>
+        <p:nvPr/>
+      </p:nvGrpSpPr>
+      <p:grpSpPr>
+        <a:xfrm>
+          <a:off x="0" y="0"/>
+          <a:ext cx="0" cy="0"/>
+          <a:chOff x="0" y="0"/>
+          <a:chExt cx="0" cy="0"/>
+        </a:xfrm>
+      </p:grpSpPr>
+      <p:sp>
+        <p:nvSpPr>
+          <p:cNvPr id="2" name="Slide Image Placeholder 1"/>
+          <p:cNvSpPr>
+            <a:spLocks noGrp="1" noRot="1" noChangeAspect="1"/>
+          </p:cNvSpPr>
+          <p:nvPr>
+            <p:ph type="sldImg"/>
+          </p:nvPr>
+        </p:nvSpPr>
+        <p:spPr/>
+      </p:sp>
+      <p:sp>
+        <p:nvSpPr>
+          <p:cNvPr id="3" name="Notes Placeholder 2"/>
+          <p:cNvSpPr>
+            <a:spLocks noGrp="1"/>
+          </p:cNvSpPr>
+          <p:nvPr>
+            <p:ph type="body" idx="1"/>
+          </p:nvPr>
+        </p:nvSpPr>
+        <p:spPr/>
+        <p:txBody>
+          <a:bodyPr/>
+          <a:lstStyle/>
+          <a:p>
+            <a:endParaRPr lang="en-GB" dirty="0"/>
+          </a:p>
+        </p:txBody>
+      </p:sp>
+      <p:sp>
+        <p:nvSpPr>
+          <p:cNvPr id="4" name="Slide Number Placeholder 3"/>
+          <p:cNvSpPr>
+            <a:spLocks noGrp="1"/>
+          </p:cNvSpPr>
+          <p:nvPr>
+            <p:ph type="sldNum" sz="quarter" idx="5"/>
+          </p:nvPr>
+        </p:nvSpPr>
+        <p:spPr/>
+        <p:txBody>
+          <a:bodyPr/>
+          <a:lstStyle/>
+          <a:p>
+            <a:fld id="{7F8683D3-491F-4E36-AA3A-F3D67AB56D1A}" type="slidenum">
+              <a:rPr lang="en-GB" smtClean="0"/>
+              <a:t>14</a:t>
+            </a:fld>
+            <a:endParaRPr lang="en-GB"/>
+          </a:p>
+        </p:txBody>
+      </p:sp>
+    </p:spTree>
+    <p:extLst>
+      <p:ext uri="{BB962C8B-B14F-4D97-AF65-F5344CB8AC3E}">
+        <p14:creationId xmlns:p14="http://schemas.microsoft.com/office/powerpoint/2010/main" val="1003411161"/>
       </p:ext>
     </p:extLst>
   </p:cSld>
@@ -22953,7 +23037,7 @@
         <p:spPr>
           <a:xfrm>
             <a:off x="304800" y="1926474"/>
-            <a:ext cx="4970313" cy="5909310"/>
+            <a:ext cx="4970313" cy="5632311"/>
           </a:xfrm>
           <a:prstGeom prst="rect">
             <a:avLst/>
@@ -22971,8 +23055,12 @@
               <a:buChar char="o"/>
             </a:pPr>
             <a:r>
+              <a:rPr lang="en-GB" b="1" dirty="0"/>
+              <a:t>Medium-term forecasting challenge</a:t>
+            </a:r>
+            <a:r>
               <a:rPr lang="en-GB" dirty="0"/>
-              <a:t>Medium-term forecasting challenge i.e. season, where goal was to have individual models inform future ensemble</a:t>
+              <a:t> i.e. season, where goal was to have individual models inform future ensemble</a:t>
             </a:r>
           </a:p>
           <a:p>
@@ -23038,13 +23126,6 @@
               <a:rPr lang="en-GB" dirty="0"/>
               <a:t>Baseline random effects model (BBM) outperformed almost always in 2023 (DENV-3)</a:t>
             </a:r>
-          </a:p>
-          <a:p>
-            <a:pPr marL="285750" indent="-285750">
-              <a:buFont typeface="Courier New" panose="02070309020205020404" pitchFamily="49" charset="0"/>
-              <a:buChar char="o"/>
-            </a:pPr>
-            <a:endParaRPr lang="en-GB" dirty="0"/>
           </a:p>
           <a:p>
             <a:pPr marL="285750" indent="-285750">
@@ -23234,7 +23315,7 @@
         <p:spPr>
           <a:xfrm>
             <a:off x="304800" y="1926474"/>
-            <a:ext cx="4970313" cy="3693319"/>
+            <a:ext cx="4970313" cy="6186309"/>
           </a:xfrm>
           <a:prstGeom prst="rect">
             <a:avLst/>
@@ -23257,6 +23338,26 @@
             </a:r>
           </a:p>
           <a:p>
+            <a:pPr marL="742950" lvl="1" indent="-285750">
+              <a:buFont typeface="Courier New" panose="02070309020205020404" pitchFamily="49" charset="0"/>
+              <a:buChar char="o"/>
+            </a:pPr>
+            <a:r>
+              <a:rPr lang="en-GB" b="1" dirty="0"/>
+              <a:t>Black line = Observed cases</a:t>
+            </a:r>
+          </a:p>
+          <a:p>
+            <a:pPr marL="742950" lvl="1" indent="-285750">
+              <a:buFont typeface="Courier New" panose="02070309020205020404" pitchFamily="49" charset="0"/>
+              <a:buChar char="o"/>
+            </a:pPr>
+            <a:r>
+              <a:rPr lang="en-GB" b="1" dirty="0"/>
+              <a:t>Coloured lines = Model predictions</a:t>
+            </a:r>
+          </a:p>
+          <a:p>
             <a:pPr marL="285750" indent="-285750">
               <a:buFont typeface="Courier New" panose="02070309020205020404" pitchFamily="49" charset="0"/>
               <a:buChar char="o"/>
@@ -23269,8 +23370,12 @@
               <a:buChar char="o"/>
             </a:pPr>
             <a:r>
+              <a:rPr lang="en-GB" b="1" dirty="0"/>
+              <a:t>Overall:</a:t>
+            </a:r>
+            <a:r>
               <a:rPr lang="en-GB" dirty="0"/>
-              <a:t>Overall: </a:t>
+              <a:t> </a:t>
             </a:r>
           </a:p>
           <a:p>
@@ -23280,23 +23385,8 @@
             </a:pPr>
             <a:r>
               <a:rPr lang="en-GB" dirty="0"/>
-              <a:t>Pretty bad? At state level</a:t>
+              <a:t>Pretty poor? At state level</a:t>
             </a:r>
-          </a:p>
-          <a:p>
-            <a:pPr marL="742950" lvl="1" indent="-285750">
-              <a:buFont typeface="Courier New" panose="02070309020205020404" pitchFamily="49" charset="0"/>
-              <a:buChar char="o"/>
-            </a:pPr>
-            <a:r>
-              <a:rPr lang="en-GB" dirty="0"/>
-              <a:t>Note </a:t>
-            </a:r>
-            <a:r>
-              <a:rPr lang="en-GB"/>
-              <a:t>different y-axes!</a:t>
-            </a:r>
-            <a:endParaRPr lang="en-GB" dirty="0"/>
           </a:p>
           <a:p>
             <a:pPr marL="742950" lvl="1" indent="-285750">
@@ -23307,6 +23397,70 @@
               <a:rPr lang="en-GB" dirty="0"/>
               <a:t>Particularly 2024 (big dengue season)</a:t>
             </a:r>
+          </a:p>
+          <a:p>
+            <a:pPr lvl="1"/>
+            <a:endParaRPr lang="en-GB" dirty="0"/>
+          </a:p>
+          <a:p>
+            <a:pPr marL="742950" lvl="1" indent="-285750">
+              <a:buFont typeface="Courier New" panose="02070309020205020404" pitchFamily="49" charset="0"/>
+              <a:buChar char="o"/>
+            </a:pPr>
+            <a:r>
+              <a:rPr lang="en-GB" dirty="0"/>
+              <a:t>Note different y-axes.</a:t>
+            </a:r>
+          </a:p>
+          <a:p>
+            <a:pPr marL="742950" lvl="1" indent="-285750">
+              <a:buFont typeface="Courier New" panose="02070309020205020404" pitchFamily="49" charset="0"/>
+              <a:buChar char="o"/>
+            </a:pPr>
+            <a:endParaRPr lang="en-GB" dirty="0"/>
+          </a:p>
+          <a:p>
+            <a:pPr marL="742950" lvl="1" indent="-285750">
+              <a:buFont typeface="Courier New" panose="02070309020205020404" pitchFamily="49" charset="0"/>
+              <a:buChar char="o"/>
+            </a:pPr>
+            <a:endParaRPr lang="en-GB" dirty="0"/>
+          </a:p>
+          <a:p>
+            <a:pPr marL="742950" lvl="1" indent="-285750">
+              <a:buFont typeface="Courier New" panose="02070309020205020404" pitchFamily="49" charset="0"/>
+              <a:buChar char="o"/>
+            </a:pPr>
+            <a:endParaRPr lang="en-GB" dirty="0"/>
+          </a:p>
+          <a:p>
+            <a:pPr marL="285750" indent="-285750">
+              <a:buFont typeface="Courier New" panose="02070309020205020404" pitchFamily="49" charset="0"/>
+              <a:buChar char="o"/>
+            </a:pPr>
+            <a:r>
+              <a:rPr lang="en-GB" b="1" dirty="0"/>
+              <a:t>Can</a:t>
+            </a:r>
+            <a:r>
+              <a:rPr lang="en-GB" dirty="0"/>
+              <a:t> we (or you) </a:t>
+            </a:r>
+            <a:r>
+              <a:rPr lang="en-GB" b="1" dirty="0"/>
+              <a:t>do better?</a:t>
+            </a:r>
+          </a:p>
+          <a:p>
+            <a:pPr marL="742950" lvl="1" indent="-285750">
+              <a:buFont typeface="Courier New" panose="02070309020205020404" pitchFamily="49" charset="0"/>
+              <a:buChar char="o"/>
+            </a:pPr>
+            <a:endParaRPr lang="en-GB" dirty="0"/>
+          </a:p>
+          <a:p>
+            <a:pPr lvl="1"/>
+            <a:endParaRPr lang="en-GB" dirty="0"/>
           </a:p>
           <a:p>
             <a:pPr marL="285750" indent="-285750">
@@ -23478,7 +23632,7 @@
           <a:p>
             <a:r>
               <a:rPr lang="en-GB" dirty="0"/>
-              <a:t>Example forecasting workflow</a:t>
+              <a:t>Example forecasting</a:t>
             </a:r>
           </a:p>
         </p:txBody>
@@ -23502,7 +23656,7 @@
         <p:spPr/>
         <p:txBody>
           <a:bodyPr>
-            <a:normAutofit lnSpcReduction="10000"/>
+            <a:normAutofit/>
           </a:bodyPr>
           <a:lstStyle/>
           <a:p>
@@ -23536,7 +23690,7 @@
             </a:pPr>
             <a:r>
               <a:rPr lang="en-GB" sz="1600" dirty="0"/>
-              <a:t>Cross-correlation, wavelets, time series analysis, + plotting!</a:t>
+              <a:t>Cross-correlation, wavelets, time series analysis, risk mapping plotting!</a:t>
             </a:r>
           </a:p>
           <a:p>
@@ -23546,7 +23700,7 @@
             </a:pPr>
             <a:r>
               <a:rPr lang="en-GB" sz="1600" dirty="0"/>
-              <a:t>Feature importance, forward/backward selection</a:t>
+              <a:t>Feature importance, forward/backward selection, PCA, +  automated feature engineering</a:t>
             </a:r>
           </a:p>
           <a:p>
@@ -23580,8 +23734,30 @@
               <a:buChar char="o"/>
             </a:pPr>
             <a:r>
+              <a:rPr lang="en-GB" sz="1600" b="1" dirty="0"/>
+              <a:t>Semi-mechanistic methods</a:t>
+            </a:r>
+            <a:r>
               <a:rPr lang="en-GB" sz="1600" dirty="0"/>
-              <a:t>Statistical + semi-mechanistic methods: Bayesian hierarchical (e.g. INLA), SARIMAX</a:t>
+              <a:t>: Bayesian hierarchical (e.g. INLA, Stan, </a:t>
+            </a:r>
+            <a:r>
+              <a:rPr lang="en-GB" sz="1600" dirty="0" err="1"/>
+              <a:t>Numpyro</a:t>
+            </a:r>
+            <a:r>
+              <a:rPr lang="en-GB" sz="1600" dirty="0"/>
+              <a:t>, get started </a:t>
+            </a:r>
+            <a:r>
+              <a:rPr lang="en-GB" sz="1600" dirty="0">
+                <a:hlinkClick r:id="rId2"/>
+              </a:rPr>
+              <a:t>here</a:t>
+            </a:r>
+            <a:r>
+              <a:rPr lang="en-GB" sz="1600" dirty="0"/>
+              <a:t>)</a:t>
             </a:r>
           </a:p>
           <a:p>
@@ -23591,7 +23767,15 @@
             </a:pPr>
             <a:r>
               <a:rPr lang="en-GB" sz="1600" dirty="0"/>
-              <a:t>Python Darts library (</a:t>
+              <a:t>Python </a:t>
+            </a:r>
+            <a:r>
+              <a:rPr lang="en-GB" sz="1600" b="1" dirty="0"/>
+              <a:t>Darts library</a:t>
+            </a:r>
+            <a:r>
+              <a:rPr lang="en-GB" sz="1600" dirty="0"/>
+              <a:t> (</a:t>
             </a:r>
             <a:r>
               <a:rPr lang="en-GB" sz="1600" b="1" dirty="0"/>
@@ -23603,13 +23787,13 @@
             </a:r>
             <a:r>
               <a:rPr lang="en-GB" sz="1600" dirty="0">
-                <a:hlinkClick r:id="rId2"/>
+                <a:hlinkClick r:id="rId3"/>
               </a:rPr>
               <a:t>here</a:t>
             </a:r>
             <a:r>
               <a:rPr lang="en-GB" sz="1600" dirty="0"/>
-              <a:t>)</a:t>
+              <a:t>) including time series + deep learning methods</a:t>
             </a:r>
           </a:p>
           <a:p>
@@ -23631,7 +23815,7 @@
             </a:r>
             <a:r>
               <a:rPr lang="en-GB" sz="1600" dirty="0">
-                <a:hlinkClick r:id="rId3"/>
+                <a:hlinkClick r:id="rId4"/>
               </a:rPr>
               <a:t>tutorial here</a:t>
             </a:r>
@@ -23641,16 +23825,8 @@
             </a:r>
           </a:p>
           <a:p>
-            <a:pPr lvl="1">
-              <a:buFont typeface="Courier New" panose="02070309020205020404" pitchFamily="49" charset="0"/>
-              <a:buChar char="o"/>
-            </a:pPr>
-            <a:endParaRPr lang="en-GB" sz="1600" dirty="0"/>
-          </a:p>
-          <a:p>
-            <a:pPr lvl="1">
-              <a:buFont typeface="Courier New" panose="02070309020205020404" pitchFamily="49" charset="0"/>
-              <a:buChar char="o"/>
+            <a:pPr marL="201168" lvl="1" indent="0">
+              <a:buNone/>
             </a:pPr>
             <a:endParaRPr lang="en-GB" sz="1600" dirty="0"/>
           </a:p>
@@ -23660,7 +23836,7 @@
             </a:pPr>
             <a:r>
               <a:rPr lang="en-GB" sz="1600" b="1" u="sng" dirty="0"/>
-              <a:t>Forecast evaluations (me)</a:t>
+              <a:t>Forecast evaluations (me!)</a:t>
             </a:r>
           </a:p>
         </p:txBody>
@@ -23680,7 +23856,7 @@
           <p:nvPr/>
         </p:nvPicPr>
         <p:blipFill>
-          <a:blip r:embed="rId4">
+          <a:blip r:embed="rId5">
             <a:extLst>
               <a:ext uri="{28A0092B-C50C-407E-A947-70E740481C1C}">
                 <a14:useLocalDpi xmlns:a14="http://schemas.microsoft.com/office/drawing/2010/main" val="0"/>
@@ -23754,7 +23930,7 @@
           <a:p>
             <a:r>
               <a:rPr lang="en-GB" dirty="0"/>
-              <a:t>Now….</a:t>
+              <a:t>Now, over to you….</a:t>
             </a:r>
           </a:p>
         </p:txBody>
@@ -23838,7 +24014,7 @@
             </a:pPr>
             <a:r>
               <a:rPr lang="en-GB" sz="1600" dirty="0"/>
-              <a:t>Forecast weekly cases for 2023 + 2024 dengue seasons…. </a:t>
+              <a:t>Forecast weekly cases for 2023 + 2024 dengue seasons… </a:t>
             </a:r>
           </a:p>
           <a:p>
@@ -23848,7 +24024,7 @@
             </a:pPr>
             <a:r>
               <a:rPr lang="en-GB" sz="1600" dirty="0"/>
-              <a:t>How? You decide</a:t>
+              <a:t>How? You decide….</a:t>
             </a:r>
           </a:p>
           <a:p>
@@ -23858,7 +24034,37 @@
             </a:pPr>
             <a:r>
               <a:rPr lang="en-GB" sz="1600" dirty="0"/>
-              <a:t>Only use up to end week of train1 (for 2023) and end week of train2 (for 2024)</a:t>
+              <a:t>Only use up to end week of train_1 (for 2023) and end week of train_2 (for 2024)</a:t>
+            </a:r>
+          </a:p>
+          <a:p>
+            <a:pPr marL="544068" lvl="1" indent="-342900">
+              <a:buFont typeface="Courier New" panose="02070309020205020404" pitchFamily="49" charset="0"/>
+              <a:buChar char="o"/>
+            </a:pPr>
+            <a:r>
+              <a:rPr lang="en-GB" sz="1600" dirty="0"/>
+              <a:t>Submit </a:t>
+            </a:r>
+            <a:r>
+              <a:rPr lang="en-GB" sz="1600" b="1" dirty="0"/>
+              <a:t>forecasts of cases</a:t>
+            </a:r>
+            <a:r>
+              <a:rPr lang="en-GB" sz="1600" dirty="0"/>
+              <a:t> at </a:t>
+            </a:r>
+            <a:r>
+              <a:rPr lang="en-GB" sz="1600" b="1" dirty="0"/>
+              <a:t>state/</a:t>
+            </a:r>
+            <a:r>
+              <a:rPr lang="en-GB" sz="1600" b="1" dirty="0" err="1"/>
+              <a:t>uf</a:t>
+            </a:r>
+            <a:r>
+              <a:rPr lang="en-GB" sz="1600" b="1" dirty="0"/>
+              <a:t> level</a:t>
             </a:r>
           </a:p>
           <a:p>
@@ -23938,13 +24144,13 @@
           <p:nvPr>
             <p:extLst>
               <p:ext uri="{D42A27DB-BD31-4B8C-83A1-F6EECF244321}">
-                <p14:modId xmlns:p14="http://schemas.microsoft.com/office/powerpoint/2010/main" val="2576258876"/>
+                <p14:modId xmlns:p14="http://schemas.microsoft.com/office/powerpoint/2010/main" val="3271423189"/>
               </p:ext>
             </p:extLst>
           </p:nvPr>
         </p:nvGraphicFramePr>
         <p:xfrm>
-          <a:off x="2691875" y="4977784"/>
+          <a:off x="2682448" y="5288871"/>
           <a:ext cx="8299775" cy="370840"/>
         </p:xfrm>
         <a:graphic>
@@ -24089,13 +24295,13 @@
           <p:nvPr>
             <p:extLst>
               <p:ext uri="{D42A27DB-BD31-4B8C-83A1-F6EECF244321}">
-                <p14:modId xmlns:p14="http://schemas.microsoft.com/office/powerpoint/2010/main" val="2574644737"/>
+                <p14:modId xmlns:p14="http://schemas.microsoft.com/office/powerpoint/2010/main" val="1722047020"/>
               </p:ext>
             </p:extLst>
           </p:nvPr>
         </p:nvGraphicFramePr>
         <p:xfrm>
-          <a:off x="2691876" y="5494705"/>
+          <a:off x="2682449" y="5805792"/>
           <a:ext cx="8299775" cy="370840"/>
         </p:xfrm>
         <a:graphic>
@@ -24240,7 +24446,7 @@
           <p:nvPr/>
         </p:nvPicPr>
         <p:blipFill>
-          <a:blip r:embed="rId2">
+          <a:blip r:embed="rId3">
             <a:extLst>
               <a:ext uri="{28A0092B-C50C-407E-A947-70E740481C1C}">
                 <a14:useLocalDpi xmlns:a14="http://schemas.microsoft.com/office/drawing/2010/main" val="0"/>
@@ -24255,6 +24461,42 @@
           <a:xfrm>
             <a:off x="9538046" y="-425641"/>
             <a:ext cx="2772063" cy="1848042"/>
+          </a:xfrm>
+          <a:prstGeom prst="rect">
+            <a:avLst/>
+          </a:prstGeom>
+        </p:spPr>
+      </p:pic>
+      <p:pic>
+        <p:nvPicPr>
+          <p:cNvPr id="8" name="Picture 7">
+            <a:extLst>
+              <a:ext uri="{FF2B5EF4-FFF2-40B4-BE49-F238E27FC236}">
+                <a16:creationId xmlns:a16="http://schemas.microsoft.com/office/drawing/2014/main" id="{8C6766A3-3569-4B20-B37F-B15289128687}"/>
+              </a:ext>
+            </a:extLst>
+          </p:cNvPr>
+          <p:cNvPicPr>
+            <a:picLocks noChangeAspect="1"/>
+          </p:cNvPicPr>
+          <p:nvPr/>
+        </p:nvPicPr>
+        <p:blipFill>
+          <a:blip r:embed="rId4">
+            <a:extLst>
+              <a:ext uri="{28A0092B-C50C-407E-A947-70E740481C1C}">
+                <a14:useLocalDpi xmlns:a14="http://schemas.microsoft.com/office/drawing/2010/main" val="0"/>
+              </a:ext>
+            </a:extLst>
+          </a:blip>
+          <a:stretch>
+            <a:fillRect/>
+          </a:stretch>
+        </p:blipFill>
+        <p:spPr>
+          <a:xfrm>
+            <a:off x="8832915" y="1805270"/>
+            <a:ext cx="2596300" cy="2596300"/>
           </a:xfrm>
           <a:prstGeom prst="rect">
             <a:avLst/>
